--- a/授業資料/講義資料：コンストラクタとデストラクタ.pptx
+++ b/授業資料/講義資料：コンストラクタとデストラクタ.pptx
@@ -258,7 +258,7 @@
           <a:p>
             <a:fld id="{5B96D3F8-CD2E-4A0D-AC38-517181EABB18}" type="datetimeFigureOut">
               <a:rPr kumimoji="1" lang="ja-JP" altLang="en-US" smtClean="0"/>
-              <a:t>2024/9/11</a:t>
+              <a:t>2025/9/2</a:t>
             </a:fld>
             <a:endParaRPr kumimoji="1" lang="ja-JP" altLang="en-US"/>
           </a:p>
@@ -460,7 +460,7 @@
           <a:p>
             <a:fld id="{5B96D3F8-CD2E-4A0D-AC38-517181EABB18}" type="datetimeFigureOut">
               <a:rPr kumimoji="1" lang="ja-JP" altLang="en-US" smtClean="0"/>
-              <a:t>2024/9/11</a:t>
+              <a:t>2025/9/2</a:t>
             </a:fld>
             <a:endParaRPr kumimoji="1" lang="ja-JP" altLang="en-US"/>
           </a:p>
@@ -672,7 +672,7 @@
           <a:p>
             <a:fld id="{5B96D3F8-CD2E-4A0D-AC38-517181EABB18}" type="datetimeFigureOut">
               <a:rPr kumimoji="1" lang="ja-JP" altLang="en-US" smtClean="0"/>
-              <a:t>2024/9/11</a:t>
+              <a:t>2025/9/2</a:t>
             </a:fld>
             <a:endParaRPr kumimoji="1" lang="ja-JP" altLang="en-US"/>
           </a:p>
@@ -874,7 +874,7 @@
           <a:p>
             <a:fld id="{5B96D3F8-CD2E-4A0D-AC38-517181EABB18}" type="datetimeFigureOut">
               <a:rPr kumimoji="1" lang="ja-JP" altLang="en-US" smtClean="0"/>
-              <a:t>2024/9/11</a:t>
+              <a:t>2025/9/2</a:t>
             </a:fld>
             <a:endParaRPr kumimoji="1" lang="ja-JP" altLang="en-US"/>
           </a:p>
@@ -1120,7 +1120,7 @@
           <a:p>
             <a:fld id="{5B96D3F8-CD2E-4A0D-AC38-517181EABB18}" type="datetimeFigureOut">
               <a:rPr kumimoji="1" lang="ja-JP" altLang="en-US" smtClean="0"/>
-              <a:t>2024/9/11</a:t>
+              <a:t>2025/9/2</a:t>
             </a:fld>
             <a:endParaRPr kumimoji="1" lang="ja-JP" altLang="en-US"/>
           </a:p>
@@ -1416,7 +1416,7 @@
           <a:p>
             <a:fld id="{5B96D3F8-CD2E-4A0D-AC38-517181EABB18}" type="datetimeFigureOut">
               <a:rPr kumimoji="1" lang="ja-JP" altLang="en-US" smtClean="0"/>
-              <a:t>2024/9/11</a:t>
+              <a:t>2025/9/2</a:t>
             </a:fld>
             <a:endParaRPr kumimoji="1" lang="ja-JP" altLang="en-US"/>
           </a:p>
@@ -1847,7 +1847,7 @@
           <a:p>
             <a:fld id="{5B96D3F8-CD2E-4A0D-AC38-517181EABB18}" type="datetimeFigureOut">
               <a:rPr kumimoji="1" lang="ja-JP" altLang="en-US" smtClean="0"/>
-              <a:t>2024/9/11</a:t>
+              <a:t>2025/9/2</a:t>
             </a:fld>
             <a:endParaRPr kumimoji="1" lang="ja-JP" altLang="en-US"/>
           </a:p>
@@ -1965,7 +1965,7 @@
           <a:p>
             <a:fld id="{5B96D3F8-CD2E-4A0D-AC38-517181EABB18}" type="datetimeFigureOut">
               <a:rPr kumimoji="1" lang="ja-JP" altLang="en-US" smtClean="0"/>
-              <a:t>2024/9/11</a:t>
+              <a:t>2025/9/2</a:t>
             </a:fld>
             <a:endParaRPr kumimoji="1" lang="ja-JP" altLang="en-US"/>
           </a:p>
@@ -2060,7 +2060,7 @@
           <a:p>
             <a:fld id="{5B96D3F8-CD2E-4A0D-AC38-517181EABB18}" type="datetimeFigureOut">
               <a:rPr kumimoji="1" lang="ja-JP" altLang="en-US" smtClean="0"/>
-              <a:t>2024/9/11</a:t>
+              <a:t>2025/9/2</a:t>
             </a:fld>
             <a:endParaRPr kumimoji="1" lang="ja-JP" altLang="en-US"/>
           </a:p>
@@ -2369,7 +2369,7 @@
           <a:p>
             <a:fld id="{5B96D3F8-CD2E-4A0D-AC38-517181EABB18}" type="datetimeFigureOut">
               <a:rPr kumimoji="1" lang="ja-JP" altLang="en-US" smtClean="0"/>
-              <a:t>2024/9/11</a:t>
+              <a:t>2025/9/2</a:t>
             </a:fld>
             <a:endParaRPr kumimoji="1" lang="ja-JP" altLang="en-US"/>
           </a:p>
@@ -2626,7 +2626,7 @@
           <a:p>
             <a:fld id="{5B96D3F8-CD2E-4A0D-AC38-517181EABB18}" type="datetimeFigureOut">
               <a:rPr kumimoji="1" lang="ja-JP" altLang="en-US" smtClean="0"/>
-              <a:t>2024/9/11</a:t>
+              <a:t>2025/9/2</a:t>
             </a:fld>
             <a:endParaRPr kumimoji="1" lang="ja-JP" altLang="en-US"/>
           </a:p>
@@ -2871,7 +2871,7 @@
           <a:p>
             <a:fld id="{5B96D3F8-CD2E-4A0D-AC38-517181EABB18}" type="datetimeFigureOut">
               <a:rPr kumimoji="1" lang="ja-JP" altLang="en-US" smtClean="0"/>
-              <a:t>2024/9/11</a:t>
+              <a:t>2025/9/2</a:t>
             </a:fld>
             <a:endParaRPr kumimoji="1" lang="ja-JP" altLang="en-US"/>
           </a:p>
@@ -3514,7 +3514,7 @@
             </a:br>
             <a:r>
               <a:rPr lang="ja-JP" altLang="en-US" dirty="0"/>
-              <a:t>　　　値を格納せずに</a:t>
+              <a:t>　　　値を格納しなくても</a:t>
             </a:r>
             <a:r>
               <a:rPr lang="en-US" altLang="ja-JP" dirty="0"/>
@@ -3522,7 +3522,34 @@
             </a:r>
             <a:r>
               <a:rPr lang="ja-JP" altLang="en-US" dirty="0"/>
-              <a:t>関数を実行</a:t>
+              <a:t>関数が実行可能</a:t>
+            </a:r>
+            <a:br>
+              <a:rPr lang="en-US" altLang="ja-JP" dirty="0"/>
+            </a:br>
+            <a:r>
+              <a:rPr lang="ja-JP" altLang="en-US" dirty="0"/>
+              <a:t>　　　→　想定外の数値が出力（</a:t>
+            </a:r>
+            <a:r>
+              <a:rPr lang="ja-JP" altLang="en-US" b="1" dirty="0">
+                <a:solidFill>
+                  <a:srgbClr val="00B0F0"/>
+                </a:solidFill>
+              </a:rPr>
+              <a:t>バグ</a:t>
+            </a:r>
+            <a:r>
+              <a:rPr lang="ja-JP" altLang="en-US" dirty="0">
+                <a:solidFill>
+                  <a:srgbClr val="00B0F0"/>
+                </a:solidFill>
+              </a:rPr>
+              <a:t>の原因</a:t>
+            </a:r>
+            <a:r>
+              <a:rPr lang="ja-JP" altLang="en-US" dirty="0"/>
+              <a:t>）</a:t>
             </a:r>
             <a:endParaRPr lang="en-US" altLang="ja-JP" dirty="0"/>
           </a:p>
@@ -4696,7 +4723,7 @@
             </a:r>
             <a:r>
               <a:rPr kumimoji="1" lang="ja-JP" altLang="en-US" sz="2400" dirty="0"/>
-              <a:t>　　　　　　　</a:t>
+              <a:t>　　　</a:t>
             </a:r>
             <a:r>
               <a:rPr kumimoji="1" lang="ja-JP" altLang="en-US" sz="2400" dirty="0">
@@ -4704,7 +4731,7 @@
                   <a:srgbClr val="00B050"/>
                 </a:solidFill>
               </a:rPr>
-              <a:t>メンバ変数の初期値を設定</a:t>
+              <a:t>メンバ変数の初期値を設定（初期化子リスト）</a:t>
             </a:r>
             <a:endParaRPr kumimoji="1" lang="en-US" altLang="ja-JP" sz="2400" dirty="0">
               <a:solidFill>
@@ -5819,6 +5846,17 @@
               <a:rPr kumimoji="1" lang="ja-JP" altLang="en-US" sz="2400" dirty="0"/>
               <a:t>　　　　</a:t>
             </a:r>
+            <a:br>
+              <a:rPr kumimoji="1" lang="en-US" altLang="ja-JP" sz="2400" dirty="0"/>
+            </a:br>
+            <a:r>
+              <a:rPr kumimoji="1" lang="en-US" altLang="ja-JP" sz="2400" dirty="0"/>
+              <a:t>}</a:t>
+            </a:r>
+            <a:r>
+              <a:rPr kumimoji="1" lang="ja-JP" altLang="en-US" sz="2400" dirty="0"/>
+              <a:t>　　　　</a:t>
+            </a:r>
             <a:r>
               <a:rPr kumimoji="1" lang="ja-JP" altLang="en-US" sz="2400" dirty="0">
                 <a:solidFill>
@@ -5831,13 +5869,7 @@
               <a:rPr kumimoji="1" lang="ja-JP" altLang="en-US" sz="2400" dirty="0"/>
               <a:t>の実行（インスタンス破棄）</a:t>
             </a:r>
-            <a:br>
-              <a:rPr kumimoji="1" lang="en-US" altLang="ja-JP" sz="2400" dirty="0"/>
-            </a:br>
-            <a:r>
-              <a:rPr kumimoji="1" lang="en-US" altLang="ja-JP" sz="2400" dirty="0"/>
-              <a:t>}</a:t>
-            </a:r>
+            <a:endParaRPr kumimoji="1" lang="en-US" altLang="ja-JP" sz="2400" dirty="0"/>
           </a:p>
         </p:txBody>
       </p:sp>
@@ -5899,7 +5931,7 @@
         </p:nvSpPr>
         <p:spPr>
           <a:xfrm flipH="1">
-            <a:off x="3796331" y="5738326"/>
+            <a:off x="1396031" y="6132773"/>
             <a:ext cx="522515" cy="223576"/>
           </a:xfrm>
           <a:prstGeom prst="rightArrow">
@@ -6373,6 +6405,17 @@
               <a:rPr kumimoji="1" lang="ja-JP" altLang="en-US" sz="2400" dirty="0"/>
               <a:t>　　　　</a:t>
             </a:r>
+            <a:endParaRPr kumimoji="1" lang="en-US" altLang="ja-JP" sz="2400" dirty="0"/>
+          </a:p>
+          <a:p>
+            <a:r>
+              <a:rPr kumimoji="1" lang="en-US" altLang="ja-JP" sz="2400" dirty="0"/>
+              <a:t>}</a:t>
+            </a:r>
+            <a:r>
+              <a:rPr kumimoji="1" lang="ja-JP" altLang="en-US" sz="2400" dirty="0"/>
+              <a:t>　　　　</a:t>
+            </a:r>
             <a:r>
               <a:rPr kumimoji="1" lang="ja-JP" altLang="en-US" sz="2400" dirty="0">
                 <a:solidFill>
@@ -6385,13 +6428,7 @@
               <a:rPr kumimoji="1" lang="ja-JP" altLang="en-US" sz="2400" dirty="0"/>
               <a:t>の実行（インスタンス破棄）</a:t>
             </a:r>
-            <a:br>
-              <a:rPr kumimoji="1" lang="en-US" altLang="ja-JP" sz="2400" dirty="0"/>
-            </a:br>
-            <a:r>
-              <a:rPr kumimoji="1" lang="en-US" altLang="ja-JP" sz="2400" dirty="0"/>
-              <a:t>}</a:t>
-            </a:r>
+            <a:endParaRPr kumimoji="1" lang="en-US" altLang="ja-JP" sz="2400" dirty="0"/>
           </a:p>
         </p:txBody>
       </p:sp>
@@ -6453,7 +6490,7 @@
         </p:nvSpPr>
         <p:spPr>
           <a:xfrm flipH="1">
-            <a:off x="3796331" y="5738326"/>
+            <a:off x="1447986" y="6132773"/>
             <a:ext cx="522515" cy="223576"/>
           </a:xfrm>
           <a:prstGeom prst="rightArrow">
@@ -7171,10 +7208,18 @@
                   <a:srgbClr val="00B0F0"/>
                 </a:solidFill>
               </a:rPr>
-              <a:t>必ず実行される</a:t>
-            </a:r>
-            <a:r>
-              <a:rPr lang="ja-JP" altLang="en-US" dirty="0"/>
+              <a:t>必ず実行</a:t>
+            </a:r>
+            <a:r>
+              <a:rPr lang="ja-JP" altLang="en-US">
+                <a:solidFill>
+                  <a:srgbClr val="00B0F0"/>
+                </a:solidFill>
+              </a:rPr>
+              <a:t>される</a:t>
+            </a:r>
+            <a:r>
+              <a:rPr lang="ja-JP" altLang="en-US"/>
               <a:t>関数</a:t>
             </a:r>
             <a:br>
